--- a/ppt 16-9/0684.自从我认识耶.pptx
+++ b/ppt 16-9/0684.自从我认识耶.pptx
@@ -5,7 +5,7 @@
     <p:sldMasterId id="2147483648" r:id="rId1"/>
   </p:sldMasterIdLst>
   <p:sldIdLst>
-    <p:sldId id="2494" r:id="rId2"/>
+    <p:sldId id="2496" r:id="rId2"/>
   </p:sldIdLst>
   <p:sldSz cx="12192000" cy="6858000"/>
   <p:notesSz cx="6858000" cy="9144000"/>
@@ -129,7 +129,7 @@
           <p:cNvPr id="2" name="标题 1">
             <a:extLst>
               <a:ext uri="{FF2B5EF4-FFF2-40B4-BE49-F238E27FC236}">
-                <a16:creationId xmlns:a16="http://schemas.microsoft.com/office/drawing/2014/main" id="{2D21AF01-0A34-2B1D-A780-5576DAAD0D0D}"/>
+                <a16:creationId xmlns:a16="http://schemas.microsoft.com/office/drawing/2014/main" id="{EBA3D247-3783-1C88-4BC0-5D24819AE68E}"/>
               </a:ext>
             </a:extLst>
           </p:cNvPr>
@@ -166,7 +166,7 @@
           <p:cNvPr id="3" name="副标题 2">
             <a:extLst>
               <a:ext uri="{FF2B5EF4-FFF2-40B4-BE49-F238E27FC236}">
-                <a16:creationId xmlns:a16="http://schemas.microsoft.com/office/drawing/2014/main" id="{9C02DD0C-270A-580C-59D5-F1058D25F9B9}"/>
+                <a16:creationId xmlns:a16="http://schemas.microsoft.com/office/drawing/2014/main" id="{EA389A1E-027B-0C0F-5D49-A186C760B411}"/>
               </a:ext>
             </a:extLst>
           </p:cNvPr>
@@ -236,7 +236,7 @@
           <p:cNvPr id="4" name="日期占位符 3">
             <a:extLst>
               <a:ext uri="{FF2B5EF4-FFF2-40B4-BE49-F238E27FC236}">
-                <a16:creationId xmlns:a16="http://schemas.microsoft.com/office/drawing/2014/main" id="{E8A214CC-D152-9382-7638-5F38DEC2E857}"/>
+                <a16:creationId xmlns:a16="http://schemas.microsoft.com/office/drawing/2014/main" id="{2D8DD42A-FDF8-0CA8-6423-5BDC338B1ADB}"/>
               </a:ext>
             </a:extLst>
           </p:cNvPr>
@@ -252,7 +252,7 @@
           <a:bodyPr/>
           <a:lstStyle/>
           <a:p>
-            <a:fld id="{E78CAFF0-1CDD-414E-8E9D-DC7DAA8F6AF1}" type="datetimeFigureOut">
+            <a:fld id="{14622EBE-9EC0-4B62-BEDD-136C74AA56B5}" type="datetimeFigureOut">
               <a:rPr lang="zh-CN" altLang="en-US" smtClean="0"/>
               <a:t>2024/3/10</a:t>
             </a:fld>
@@ -265,7 +265,7 @@
           <p:cNvPr id="5" name="页脚占位符 4">
             <a:extLst>
               <a:ext uri="{FF2B5EF4-FFF2-40B4-BE49-F238E27FC236}">
-                <a16:creationId xmlns:a16="http://schemas.microsoft.com/office/drawing/2014/main" id="{85298AFD-B3D0-EED6-AFB0-675F822D73A7}"/>
+                <a16:creationId xmlns:a16="http://schemas.microsoft.com/office/drawing/2014/main" id="{9CB110AB-F28E-D728-D320-DE4849E3FE50}"/>
               </a:ext>
             </a:extLst>
           </p:cNvPr>
@@ -290,7 +290,7 @@
           <p:cNvPr id="6" name="灯片编号占位符 5">
             <a:extLst>
               <a:ext uri="{FF2B5EF4-FFF2-40B4-BE49-F238E27FC236}">
-                <a16:creationId xmlns:a16="http://schemas.microsoft.com/office/drawing/2014/main" id="{A0FE2B2A-9235-8487-D899-D35B233F9078}"/>
+                <a16:creationId xmlns:a16="http://schemas.microsoft.com/office/drawing/2014/main" id="{6106451E-515F-5A54-3A11-BE67723C518E}"/>
               </a:ext>
             </a:extLst>
           </p:cNvPr>
@@ -306,7 +306,7 @@
           <a:bodyPr/>
           <a:lstStyle/>
           <a:p>
-            <a:fld id="{68E25D71-AEFD-4FA9-888C-8A0090390D59}" type="slidenum">
+            <a:fld id="{4EABA9AE-42B6-4782-B708-8C9206BB0EB4}" type="slidenum">
               <a:rPr lang="zh-CN" altLang="en-US" smtClean="0"/>
               <a:t>‹#›</a:t>
             </a:fld>
@@ -317,7 +317,7 @@
     </p:spTree>
     <p:extLst>
       <p:ext uri="{BB962C8B-B14F-4D97-AF65-F5344CB8AC3E}">
-        <p14:creationId xmlns:p14="http://schemas.microsoft.com/office/powerpoint/2010/main" val="3273921339"/>
+        <p14:creationId xmlns:p14="http://schemas.microsoft.com/office/powerpoint/2010/main" val="1794751360"/>
       </p:ext>
     </p:extLst>
   </p:cSld>
@@ -349,7 +349,7 @@
           <p:cNvPr id="2" name="标题 1">
             <a:extLst>
               <a:ext uri="{FF2B5EF4-FFF2-40B4-BE49-F238E27FC236}">
-                <a16:creationId xmlns:a16="http://schemas.microsoft.com/office/drawing/2014/main" id="{7560DA9F-11C2-2B0E-8C50-3FB05EEABBFE}"/>
+                <a16:creationId xmlns:a16="http://schemas.microsoft.com/office/drawing/2014/main" id="{86B08E50-DD83-518D-6AF6-C7EE4408860B}"/>
               </a:ext>
             </a:extLst>
           </p:cNvPr>
@@ -377,7 +377,7 @@
           <p:cNvPr id="3" name="竖排文字占位符 2">
             <a:extLst>
               <a:ext uri="{FF2B5EF4-FFF2-40B4-BE49-F238E27FC236}">
-                <a16:creationId xmlns:a16="http://schemas.microsoft.com/office/drawing/2014/main" id="{E4EDE9F8-14A4-187E-DAB0-D9E8A61B3D26}"/>
+                <a16:creationId xmlns:a16="http://schemas.microsoft.com/office/drawing/2014/main" id="{15C1AF43-31B3-DD95-E8DF-0B0C234AABE1}"/>
               </a:ext>
             </a:extLst>
           </p:cNvPr>
@@ -434,7 +434,7 @@
           <p:cNvPr id="4" name="日期占位符 3">
             <a:extLst>
               <a:ext uri="{FF2B5EF4-FFF2-40B4-BE49-F238E27FC236}">
-                <a16:creationId xmlns:a16="http://schemas.microsoft.com/office/drawing/2014/main" id="{422EC392-A11A-FE3E-C76C-080A6BEF97F7}"/>
+                <a16:creationId xmlns:a16="http://schemas.microsoft.com/office/drawing/2014/main" id="{60755E15-872E-382D-34AF-B3E791F7EA87}"/>
               </a:ext>
             </a:extLst>
           </p:cNvPr>
@@ -450,7 +450,7 @@
           <a:bodyPr/>
           <a:lstStyle/>
           <a:p>
-            <a:fld id="{E78CAFF0-1CDD-414E-8E9D-DC7DAA8F6AF1}" type="datetimeFigureOut">
+            <a:fld id="{14622EBE-9EC0-4B62-BEDD-136C74AA56B5}" type="datetimeFigureOut">
               <a:rPr lang="zh-CN" altLang="en-US" smtClean="0"/>
               <a:t>2024/3/10</a:t>
             </a:fld>
@@ -463,7 +463,7 @@
           <p:cNvPr id="5" name="页脚占位符 4">
             <a:extLst>
               <a:ext uri="{FF2B5EF4-FFF2-40B4-BE49-F238E27FC236}">
-                <a16:creationId xmlns:a16="http://schemas.microsoft.com/office/drawing/2014/main" id="{CF3D2BDA-6B2D-70A7-1D4A-433AB96ECC73}"/>
+                <a16:creationId xmlns:a16="http://schemas.microsoft.com/office/drawing/2014/main" id="{31A495C6-F79D-5BF6-7194-BF3580CE4ECF}"/>
               </a:ext>
             </a:extLst>
           </p:cNvPr>
@@ -488,7 +488,7 @@
           <p:cNvPr id="6" name="灯片编号占位符 5">
             <a:extLst>
               <a:ext uri="{FF2B5EF4-FFF2-40B4-BE49-F238E27FC236}">
-                <a16:creationId xmlns:a16="http://schemas.microsoft.com/office/drawing/2014/main" id="{EADA4E85-E1B1-642B-F30B-E43EFA3B2919}"/>
+                <a16:creationId xmlns:a16="http://schemas.microsoft.com/office/drawing/2014/main" id="{C31270F0-1D5F-8134-291F-F129A1AD5E58}"/>
               </a:ext>
             </a:extLst>
           </p:cNvPr>
@@ -504,7 +504,7 @@
           <a:bodyPr/>
           <a:lstStyle/>
           <a:p>
-            <a:fld id="{68E25D71-AEFD-4FA9-888C-8A0090390D59}" type="slidenum">
+            <a:fld id="{4EABA9AE-42B6-4782-B708-8C9206BB0EB4}" type="slidenum">
               <a:rPr lang="zh-CN" altLang="en-US" smtClean="0"/>
               <a:t>‹#›</a:t>
             </a:fld>
@@ -515,7 +515,7 @@
     </p:spTree>
     <p:extLst>
       <p:ext uri="{BB962C8B-B14F-4D97-AF65-F5344CB8AC3E}">
-        <p14:creationId xmlns:p14="http://schemas.microsoft.com/office/powerpoint/2010/main" val="2948231747"/>
+        <p14:creationId xmlns:p14="http://schemas.microsoft.com/office/powerpoint/2010/main" val="64387767"/>
       </p:ext>
     </p:extLst>
   </p:cSld>
@@ -547,7 +547,7 @@
           <p:cNvPr id="2" name="竖排标题 1">
             <a:extLst>
               <a:ext uri="{FF2B5EF4-FFF2-40B4-BE49-F238E27FC236}">
-                <a16:creationId xmlns:a16="http://schemas.microsoft.com/office/drawing/2014/main" id="{85DF48C8-7308-B39D-574F-421B8799D3BF}"/>
+                <a16:creationId xmlns:a16="http://schemas.microsoft.com/office/drawing/2014/main" id="{581A6F66-A4F2-C0BB-FD06-F1FED6810D98}"/>
               </a:ext>
             </a:extLst>
           </p:cNvPr>
@@ -580,7 +580,7 @@
           <p:cNvPr id="3" name="竖排文字占位符 2">
             <a:extLst>
               <a:ext uri="{FF2B5EF4-FFF2-40B4-BE49-F238E27FC236}">
-                <a16:creationId xmlns:a16="http://schemas.microsoft.com/office/drawing/2014/main" id="{6D410411-A431-F4C2-95EC-B1D2ACDE72BA}"/>
+                <a16:creationId xmlns:a16="http://schemas.microsoft.com/office/drawing/2014/main" id="{7CDB3A38-FBB6-CE1E-15BD-1D45FFFF36BA}"/>
               </a:ext>
             </a:extLst>
           </p:cNvPr>
@@ -642,7 +642,7 @@
           <p:cNvPr id="4" name="日期占位符 3">
             <a:extLst>
               <a:ext uri="{FF2B5EF4-FFF2-40B4-BE49-F238E27FC236}">
-                <a16:creationId xmlns:a16="http://schemas.microsoft.com/office/drawing/2014/main" id="{06447BC7-B8B0-50CA-A56A-7685CCC56D16}"/>
+                <a16:creationId xmlns:a16="http://schemas.microsoft.com/office/drawing/2014/main" id="{3737AAB3-221D-A548-8292-37BA5583D764}"/>
               </a:ext>
             </a:extLst>
           </p:cNvPr>
@@ -658,7 +658,7 @@
           <a:bodyPr/>
           <a:lstStyle/>
           <a:p>
-            <a:fld id="{E78CAFF0-1CDD-414E-8E9D-DC7DAA8F6AF1}" type="datetimeFigureOut">
+            <a:fld id="{14622EBE-9EC0-4B62-BEDD-136C74AA56B5}" type="datetimeFigureOut">
               <a:rPr lang="zh-CN" altLang="en-US" smtClean="0"/>
               <a:t>2024/3/10</a:t>
             </a:fld>
@@ -671,7 +671,7 @@
           <p:cNvPr id="5" name="页脚占位符 4">
             <a:extLst>
               <a:ext uri="{FF2B5EF4-FFF2-40B4-BE49-F238E27FC236}">
-                <a16:creationId xmlns:a16="http://schemas.microsoft.com/office/drawing/2014/main" id="{2277DE52-5956-203D-05E8-59DF8B1A4EB3}"/>
+                <a16:creationId xmlns:a16="http://schemas.microsoft.com/office/drawing/2014/main" id="{73B1F9F8-EADC-130C-0FB1-338F9F76B261}"/>
               </a:ext>
             </a:extLst>
           </p:cNvPr>
@@ -696,7 +696,7 @@
           <p:cNvPr id="6" name="灯片编号占位符 5">
             <a:extLst>
               <a:ext uri="{FF2B5EF4-FFF2-40B4-BE49-F238E27FC236}">
-                <a16:creationId xmlns:a16="http://schemas.microsoft.com/office/drawing/2014/main" id="{D11CC600-6B16-9FF5-3753-842A78FD0A1C}"/>
+                <a16:creationId xmlns:a16="http://schemas.microsoft.com/office/drawing/2014/main" id="{65C6D666-1208-9F44-C2A6-3D1057674F64}"/>
               </a:ext>
             </a:extLst>
           </p:cNvPr>
@@ -712,7 +712,7 @@
           <a:bodyPr/>
           <a:lstStyle/>
           <a:p>
-            <a:fld id="{68E25D71-AEFD-4FA9-888C-8A0090390D59}" type="slidenum">
+            <a:fld id="{4EABA9AE-42B6-4782-B708-8C9206BB0EB4}" type="slidenum">
               <a:rPr lang="zh-CN" altLang="en-US" smtClean="0"/>
               <a:t>‹#›</a:t>
             </a:fld>
@@ -723,7 +723,7 @@
     </p:spTree>
     <p:extLst>
       <p:ext uri="{BB962C8B-B14F-4D97-AF65-F5344CB8AC3E}">
-        <p14:creationId xmlns:p14="http://schemas.microsoft.com/office/powerpoint/2010/main" val="1789328739"/>
+        <p14:creationId xmlns:p14="http://schemas.microsoft.com/office/powerpoint/2010/main" val="3833443990"/>
       </p:ext>
     </p:extLst>
   </p:cSld>
@@ -755,7 +755,7 @@
           <p:cNvPr id="2" name="标题 1">
             <a:extLst>
               <a:ext uri="{FF2B5EF4-FFF2-40B4-BE49-F238E27FC236}">
-                <a16:creationId xmlns:a16="http://schemas.microsoft.com/office/drawing/2014/main" id="{AA8A96EA-A109-D361-A22A-9A173ED128F7}"/>
+                <a16:creationId xmlns:a16="http://schemas.microsoft.com/office/drawing/2014/main" id="{EA1BFFED-2383-40F6-C6F1-FCCE9313B095}"/>
               </a:ext>
             </a:extLst>
           </p:cNvPr>
@@ -783,7 +783,7 @@
           <p:cNvPr id="3" name="内容占位符 2">
             <a:extLst>
               <a:ext uri="{FF2B5EF4-FFF2-40B4-BE49-F238E27FC236}">
-                <a16:creationId xmlns:a16="http://schemas.microsoft.com/office/drawing/2014/main" id="{306B40FD-3505-2573-DE94-D425041E978B}"/>
+                <a16:creationId xmlns:a16="http://schemas.microsoft.com/office/drawing/2014/main" id="{D26CB6DC-C68A-8B20-4850-F54E07C7E16B}"/>
               </a:ext>
             </a:extLst>
           </p:cNvPr>
@@ -840,7 +840,7 @@
           <p:cNvPr id="4" name="日期占位符 3">
             <a:extLst>
               <a:ext uri="{FF2B5EF4-FFF2-40B4-BE49-F238E27FC236}">
-                <a16:creationId xmlns:a16="http://schemas.microsoft.com/office/drawing/2014/main" id="{D176D096-230F-B243-1787-5C642DBFFEBE}"/>
+                <a16:creationId xmlns:a16="http://schemas.microsoft.com/office/drawing/2014/main" id="{E6025BEB-00DA-E916-584E-E9FBCC4EF255}"/>
               </a:ext>
             </a:extLst>
           </p:cNvPr>
@@ -856,7 +856,7 @@
           <a:bodyPr/>
           <a:lstStyle/>
           <a:p>
-            <a:fld id="{E78CAFF0-1CDD-414E-8E9D-DC7DAA8F6AF1}" type="datetimeFigureOut">
+            <a:fld id="{14622EBE-9EC0-4B62-BEDD-136C74AA56B5}" type="datetimeFigureOut">
               <a:rPr lang="zh-CN" altLang="en-US" smtClean="0"/>
               <a:t>2024/3/10</a:t>
             </a:fld>
@@ -869,7 +869,7 @@
           <p:cNvPr id="5" name="页脚占位符 4">
             <a:extLst>
               <a:ext uri="{FF2B5EF4-FFF2-40B4-BE49-F238E27FC236}">
-                <a16:creationId xmlns:a16="http://schemas.microsoft.com/office/drawing/2014/main" id="{C668265A-987F-14C4-2686-EC014E6849CE}"/>
+                <a16:creationId xmlns:a16="http://schemas.microsoft.com/office/drawing/2014/main" id="{1D778F7F-3CBF-C88D-52FC-998529E2C485}"/>
               </a:ext>
             </a:extLst>
           </p:cNvPr>
@@ -894,7 +894,7 @@
           <p:cNvPr id="6" name="灯片编号占位符 5">
             <a:extLst>
               <a:ext uri="{FF2B5EF4-FFF2-40B4-BE49-F238E27FC236}">
-                <a16:creationId xmlns:a16="http://schemas.microsoft.com/office/drawing/2014/main" id="{27207ABD-6D07-DDA7-A2F0-33BD7D093F6D}"/>
+                <a16:creationId xmlns:a16="http://schemas.microsoft.com/office/drawing/2014/main" id="{0A224F01-27EE-F2C8-3714-44C25FDD84F8}"/>
               </a:ext>
             </a:extLst>
           </p:cNvPr>
@@ -910,7 +910,7 @@
           <a:bodyPr/>
           <a:lstStyle/>
           <a:p>
-            <a:fld id="{68E25D71-AEFD-4FA9-888C-8A0090390D59}" type="slidenum">
+            <a:fld id="{4EABA9AE-42B6-4782-B708-8C9206BB0EB4}" type="slidenum">
               <a:rPr lang="zh-CN" altLang="en-US" smtClean="0"/>
               <a:t>‹#›</a:t>
             </a:fld>
@@ -921,7 +921,7 @@
     </p:spTree>
     <p:extLst>
       <p:ext uri="{BB962C8B-B14F-4D97-AF65-F5344CB8AC3E}">
-        <p14:creationId xmlns:p14="http://schemas.microsoft.com/office/powerpoint/2010/main" val="1297504431"/>
+        <p14:creationId xmlns:p14="http://schemas.microsoft.com/office/powerpoint/2010/main" val="2905586397"/>
       </p:ext>
     </p:extLst>
   </p:cSld>
@@ -953,7 +953,7 @@
           <p:cNvPr id="2" name="标题 1">
             <a:extLst>
               <a:ext uri="{FF2B5EF4-FFF2-40B4-BE49-F238E27FC236}">
-                <a16:creationId xmlns:a16="http://schemas.microsoft.com/office/drawing/2014/main" id="{238C1B4D-FB9A-36A2-5232-B04049EB4599}"/>
+                <a16:creationId xmlns:a16="http://schemas.microsoft.com/office/drawing/2014/main" id="{2C002C1F-F83B-11BE-056F-9D817D029A6F}"/>
               </a:ext>
             </a:extLst>
           </p:cNvPr>
@@ -990,7 +990,7 @@
           <p:cNvPr id="3" name="文本占位符 2">
             <a:extLst>
               <a:ext uri="{FF2B5EF4-FFF2-40B4-BE49-F238E27FC236}">
-                <a16:creationId xmlns:a16="http://schemas.microsoft.com/office/drawing/2014/main" id="{9F0E06D2-F51D-F172-275B-4E49904FD393}"/>
+                <a16:creationId xmlns:a16="http://schemas.microsoft.com/office/drawing/2014/main" id="{DEB1ACB7-8525-E8F2-E5DF-82B50CD90549}"/>
               </a:ext>
             </a:extLst>
           </p:cNvPr>
@@ -1115,7 +1115,7 @@
           <p:cNvPr id="4" name="日期占位符 3">
             <a:extLst>
               <a:ext uri="{FF2B5EF4-FFF2-40B4-BE49-F238E27FC236}">
-                <a16:creationId xmlns:a16="http://schemas.microsoft.com/office/drawing/2014/main" id="{EE882536-8FBD-30FC-E3BC-84D427556000}"/>
+                <a16:creationId xmlns:a16="http://schemas.microsoft.com/office/drawing/2014/main" id="{0C5FA018-7930-2560-7399-8BAB94566339}"/>
               </a:ext>
             </a:extLst>
           </p:cNvPr>
@@ -1131,7 +1131,7 @@
           <a:bodyPr/>
           <a:lstStyle/>
           <a:p>
-            <a:fld id="{E78CAFF0-1CDD-414E-8E9D-DC7DAA8F6AF1}" type="datetimeFigureOut">
+            <a:fld id="{14622EBE-9EC0-4B62-BEDD-136C74AA56B5}" type="datetimeFigureOut">
               <a:rPr lang="zh-CN" altLang="en-US" smtClean="0"/>
               <a:t>2024/3/10</a:t>
             </a:fld>
@@ -1144,7 +1144,7 @@
           <p:cNvPr id="5" name="页脚占位符 4">
             <a:extLst>
               <a:ext uri="{FF2B5EF4-FFF2-40B4-BE49-F238E27FC236}">
-                <a16:creationId xmlns:a16="http://schemas.microsoft.com/office/drawing/2014/main" id="{96F616A1-6F82-B8B3-FFD3-5B971F1C583A}"/>
+                <a16:creationId xmlns:a16="http://schemas.microsoft.com/office/drawing/2014/main" id="{9753EC23-8162-AD63-B01D-8774142CB714}"/>
               </a:ext>
             </a:extLst>
           </p:cNvPr>
@@ -1169,7 +1169,7 @@
           <p:cNvPr id="6" name="灯片编号占位符 5">
             <a:extLst>
               <a:ext uri="{FF2B5EF4-FFF2-40B4-BE49-F238E27FC236}">
-                <a16:creationId xmlns:a16="http://schemas.microsoft.com/office/drawing/2014/main" id="{6E6D491E-43D2-2C9E-E168-2859E259222F}"/>
+                <a16:creationId xmlns:a16="http://schemas.microsoft.com/office/drawing/2014/main" id="{EA236677-3A51-21D5-DA0F-FB752E0549A3}"/>
               </a:ext>
             </a:extLst>
           </p:cNvPr>
@@ -1185,7 +1185,7 @@
           <a:bodyPr/>
           <a:lstStyle/>
           <a:p>
-            <a:fld id="{68E25D71-AEFD-4FA9-888C-8A0090390D59}" type="slidenum">
+            <a:fld id="{4EABA9AE-42B6-4782-B708-8C9206BB0EB4}" type="slidenum">
               <a:rPr lang="zh-CN" altLang="en-US" smtClean="0"/>
               <a:t>‹#›</a:t>
             </a:fld>
@@ -1196,7 +1196,7 @@
     </p:spTree>
     <p:extLst>
       <p:ext uri="{BB962C8B-B14F-4D97-AF65-F5344CB8AC3E}">
-        <p14:creationId xmlns:p14="http://schemas.microsoft.com/office/powerpoint/2010/main" val="3176405489"/>
+        <p14:creationId xmlns:p14="http://schemas.microsoft.com/office/powerpoint/2010/main" val="3600712660"/>
       </p:ext>
     </p:extLst>
   </p:cSld>
@@ -1228,7 +1228,7 @@
           <p:cNvPr id="2" name="标题 1">
             <a:extLst>
               <a:ext uri="{FF2B5EF4-FFF2-40B4-BE49-F238E27FC236}">
-                <a16:creationId xmlns:a16="http://schemas.microsoft.com/office/drawing/2014/main" id="{3E597D9D-4CFA-199D-B70F-3A650D375468}"/>
+                <a16:creationId xmlns:a16="http://schemas.microsoft.com/office/drawing/2014/main" id="{BE1E9BEC-365A-972C-924F-363B5C9EA8AC}"/>
               </a:ext>
             </a:extLst>
           </p:cNvPr>
@@ -1256,7 +1256,7 @@
           <p:cNvPr id="3" name="内容占位符 2">
             <a:extLst>
               <a:ext uri="{FF2B5EF4-FFF2-40B4-BE49-F238E27FC236}">
-                <a16:creationId xmlns:a16="http://schemas.microsoft.com/office/drawing/2014/main" id="{0FAFAD0A-819F-98C2-2B2B-4D52C8C5CC1A}"/>
+                <a16:creationId xmlns:a16="http://schemas.microsoft.com/office/drawing/2014/main" id="{83066EFD-D4EC-709B-D84E-8343D67AB979}"/>
               </a:ext>
             </a:extLst>
           </p:cNvPr>
@@ -1318,7 +1318,7 @@
           <p:cNvPr id="4" name="内容占位符 3">
             <a:extLst>
               <a:ext uri="{FF2B5EF4-FFF2-40B4-BE49-F238E27FC236}">
-                <a16:creationId xmlns:a16="http://schemas.microsoft.com/office/drawing/2014/main" id="{D83DD4EF-4222-812F-255E-0802222C1B86}"/>
+                <a16:creationId xmlns:a16="http://schemas.microsoft.com/office/drawing/2014/main" id="{766F7713-57F7-4D14-2780-8773A9B5F6D0}"/>
               </a:ext>
             </a:extLst>
           </p:cNvPr>
@@ -1380,7 +1380,7 @@
           <p:cNvPr id="5" name="日期占位符 4">
             <a:extLst>
               <a:ext uri="{FF2B5EF4-FFF2-40B4-BE49-F238E27FC236}">
-                <a16:creationId xmlns:a16="http://schemas.microsoft.com/office/drawing/2014/main" id="{03CAE323-914D-268E-CBE4-E2C452ECC638}"/>
+                <a16:creationId xmlns:a16="http://schemas.microsoft.com/office/drawing/2014/main" id="{E9DFA1A0-9F8D-01A3-A630-62F32980434B}"/>
               </a:ext>
             </a:extLst>
           </p:cNvPr>
@@ -1396,7 +1396,7 @@
           <a:bodyPr/>
           <a:lstStyle/>
           <a:p>
-            <a:fld id="{E78CAFF0-1CDD-414E-8E9D-DC7DAA8F6AF1}" type="datetimeFigureOut">
+            <a:fld id="{14622EBE-9EC0-4B62-BEDD-136C74AA56B5}" type="datetimeFigureOut">
               <a:rPr lang="zh-CN" altLang="en-US" smtClean="0"/>
               <a:t>2024/3/10</a:t>
             </a:fld>
@@ -1409,7 +1409,7 @@
           <p:cNvPr id="6" name="页脚占位符 5">
             <a:extLst>
               <a:ext uri="{FF2B5EF4-FFF2-40B4-BE49-F238E27FC236}">
-                <a16:creationId xmlns:a16="http://schemas.microsoft.com/office/drawing/2014/main" id="{B677F641-998D-6B9C-697F-80B350A99CDC}"/>
+                <a16:creationId xmlns:a16="http://schemas.microsoft.com/office/drawing/2014/main" id="{221908B0-D863-99C0-6700-0BA1672730C7}"/>
               </a:ext>
             </a:extLst>
           </p:cNvPr>
@@ -1434,7 +1434,7 @@
           <p:cNvPr id="7" name="灯片编号占位符 6">
             <a:extLst>
               <a:ext uri="{FF2B5EF4-FFF2-40B4-BE49-F238E27FC236}">
-                <a16:creationId xmlns:a16="http://schemas.microsoft.com/office/drawing/2014/main" id="{850BD633-08D4-5279-B62C-CE9CAC145C6F}"/>
+                <a16:creationId xmlns:a16="http://schemas.microsoft.com/office/drawing/2014/main" id="{0BBBCBC4-C970-30F5-3C7F-42B221BC3446}"/>
               </a:ext>
             </a:extLst>
           </p:cNvPr>
@@ -1450,7 +1450,7 @@
           <a:bodyPr/>
           <a:lstStyle/>
           <a:p>
-            <a:fld id="{68E25D71-AEFD-4FA9-888C-8A0090390D59}" type="slidenum">
+            <a:fld id="{4EABA9AE-42B6-4782-B708-8C9206BB0EB4}" type="slidenum">
               <a:rPr lang="zh-CN" altLang="en-US" smtClean="0"/>
               <a:t>‹#›</a:t>
             </a:fld>
@@ -1461,7 +1461,7 @@
     </p:spTree>
     <p:extLst>
       <p:ext uri="{BB962C8B-B14F-4D97-AF65-F5344CB8AC3E}">
-        <p14:creationId xmlns:p14="http://schemas.microsoft.com/office/powerpoint/2010/main" val="3825364378"/>
+        <p14:creationId xmlns:p14="http://schemas.microsoft.com/office/powerpoint/2010/main" val="1057097042"/>
       </p:ext>
     </p:extLst>
   </p:cSld>
@@ -1493,7 +1493,7 @@
           <p:cNvPr id="2" name="标题 1">
             <a:extLst>
               <a:ext uri="{FF2B5EF4-FFF2-40B4-BE49-F238E27FC236}">
-                <a16:creationId xmlns:a16="http://schemas.microsoft.com/office/drawing/2014/main" id="{8391790E-46D4-1695-0CAD-0C0F68E7B8A5}"/>
+                <a16:creationId xmlns:a16="http://schemas.microsoft.com/office/drawing/2014/main" id="{DC631B45-AD8D-671A-102A-39C9556E5E2C}"/>
               </a:ext>
             </a:extLst>
           </p:cNvPr>
@@ -1526,7 +1526,7 @@
           <p:cNvPr id="3" name="文本占位符 2">
             <a:extLst>
               <a:ext uri="{FF2B5EF4-FFF2-40B4-BE49-F238E27FC236}">
-                <a16:creationId xmlns:a16="http://schemas.microsoft.com/office/drawing/2014/main" id="{0CF4F610-7D6D-FFCB-8B55-812E5DF94196}"/>
+                <a16:creationId xmlns:a16="http://schemas.microsoft.com/office/drawing/2014/main" id="{D4E7F993-1EF2-C3B7-B413-7281553CCFD7}"/>
               </a:ext>
             </a:extLst>
           </p:cNvPr>
@@ -1597,7 +1597,7 @@
           <p:cNvPr id="4" name="内容占位符 3">
             <a:extLst>
               <a:ext uri="{FF2B5EF4-FFF2-40B4-BE49-F238E27FC236}">
-                <a16:creationId xmlns:a16="http://schemas.microsoft.com/office/drawing/2014/main" id="{471C59E4-AC75-C7AB-780F-54D0B11EB27F}"/>
+                <a16:creationId xmlns:a16="http://schemas.microsoft.com/office/drawing/2014/main" id="{AA1F9D68-12A8-1F4C-7048-C639364EDF12}"/>
               </a:ext>
             </a:extLst>
           </p:cNvPr>
@@ -1659,7 +1659,7 @@
           <p:cNvPr id="5" name="文本占位符 4">
             <a:extLst>
               <a:ext uri="{FF2B5EF4-FFF2-40B4-BE49-F238E27FC236}">
-                <a16:creationId xmlns:a16="http://schemas.microsoft.com/office/drawing/2014/main" id="{D5464A0B-C0C6-4B3F-F22B-980A39F04000}"/>
+                <a16:creationId xmlns:a16="http://schemas.microsoft.com/office/drawing/2014/main" id="{B6699001-0487-E972-BD33-96BB7CE7EEC0}"/>
               </a:ext>
             </a:extLst>
           </p:cNvPr>
@@ -1730,7 +1730,7 @@
           <p:cNvPr id="6" name="内容占位符 5">
             <a:extLst>
               <a:ext uri="{FF2B5EF4-FFF2-40B4-BE49-F238E27FC236}">
-                <a16:creationId xmlns:a16="http://schemas.microsoft.com/office/drawing/2014/main" id="{97083480-BFA7-807A-C31A-C684F8253164}"/>
+                <a16:creationId xmlns:a16="http://schemas.microsoft.com/office/drawing/2014/main" id="{E6D4287F-2AFC-553E-904A-13BBBFC3E68F}"/>
               </a:ext>
             </a:extLst>
           </p:cNvPr>
@@ -1792,7 +1792,7 @@
           <p:cNvPr id="7" name="日期占位符 6">
             <a:extLst>
               <a:ext uri="{FF2B5EF4-FFF2-40B4-BE49-F238E27FC236}">
-                <a16:creationId xmlns:a16="http://schemas.microsoft.com/office/drawing/2014/main" id="{3704E5EE-A3C7-910F-1DF9-FDFB72CA3E04}"/>
+                <a16:creationId xmlns:a16="http://schemas.microsoft.com/office/drawing/2014/main" id="{2A5412A6-CB6D-E496-279F-8E2A8C1A0272}"/>
               </a:ext>
             </a:extLst>
           </p:cNvPr>
@@ -1808,7 +1808,7 @@
           <a:bodyPr/>
           <a:lstStyle/>
           <a:p>
-            <a:fld id="{E78CAFF0-1CDD-414E-8E9D-DC7DAA8F6AF1}" type="datetimeFigureOut">
+            <a:fld id="{14622EBE-9EC0-4B62-BEDD-136C74AA56B5}" type="datetimeFigureOut">
               <a:rPr lang="zh-CN" altLang="en-US" smtClean="0"/>
               <a:t>2024/3/10</a:t>
             </a:fld>
@@ -1821,7 +1821,7 @@
           <p:cNvPr id="8" name="页脚占位符 7">
             <a:extLst>
               <a:ext uri="{FF2B5EF4-FFF2-40B4-BE49-F238E27FC236}">
-                <a16:creationId xmlns:a16="http://schemas.microsoft.com/office/drawing/2014/main" id="{D22DA808-CA1D-5644-88C8-A20ED1C97C63}"/>
+                <a16:creationId xmlns:a16="http://schemas.microsoft.com/office/drawing/2014/main" id="{BACB7973-A8A2-0DB1-DE11-1E52BC18E0A3}"/>
               </a:ext>
             </a:extLst>
           </p:cNvPr>
@@ -1846,7 +1846,7 @@
           <p:cNvPr id="9" name="灯片编号占位符 8">
             <a:extLst>
               <a:ext uri="{FF2B5EF4-FFF2-40B4-BE49-F238E27FC236}">
-                <a16:creationId xmlns:a16="http://schemas.microsoft.com/office/drawing/2014/main" id="{329847B6-F74C-57B6-7367-771C6EE9E66D}"/>
+                <a16:creationId xmlns:a16="http://schemas.microsoft.com/office/drawing/2014/main" id="{9B3E3AE6-BB62-83E6-C4DB-9304530E88A2}"/>
               </a:ext>
             </a:extLst>
           </p:cNvPr>
@@ -1862,7 +1862,7 @@
           <a:bodyPr/>
           <a:lstStyle/>
           <a:p>
-            <a:fld id="{68E25D71-AEFD-4FA9-888C-8A0090390D59}" type="slidenum">
+            <a:fld id="{4EABA9AE-42B6-4782-B708-8C9206BB0EB4}" type="slidenum">
               <a:rPr lang="zh-CN" altLang="en-US" smtClean="0"/>
               <a:t>‹#›</a:t>
             </a:fld>
@@ -1873,7 +1873,7 @@
     </p:spTree>
     <p:extLst>
       <p:ext uri="{BB962C8B-B14F-4D97-AF65-F5344CB8AC3E}">
-        <p14:creationId xmlns:p14="http://schemas.microsoft.com/office/powerpoint/2010/main" val="3714171753"/>
+        <p14:creationId xmlns:p14="http://schemas.microsoft.com/office/powerpoint/2010/main" val="606436640"/>
       </p:ext>
     </p:extLst>
   </p:cSld>
@@ -1905,7 +1905,7 @@
           <p:cNvPr id="2" name="标题 1">
             <a:extLst>
               <a:ext uri="{FF2B5EF4-FFF2-40B4-BE49-F238E27FC236}">
-                <a16:creationId xmlns:a16="http://schemas.microsoft.com/office/drawing/2014/main" id="{1BAE7421-DEEA-9CB5-65F5-E227E4C230C5}"/>
+                <a16:creationId xmlns:a16="http://schemas.microsoft.com/office/drawing/2014/main" id="{54F7FC20-7587-081C-E325-F124D7E437FC}"/>
               </a:ext>
             </a:extLst>
           </p:cNvPr>
@@ -1933,7 +1933,7 @@
           <p:cNvPr id="3" name="日期占位符 2">
             <a:extLst>
               <a:ext uri="{FF2B5EF4-FFF2-40B4-BE49-F238E27FC236}">
-                <a16:creationId xmlns:a16="http://schemas.microsoft.com/office/drawing/2014/main" id="{6EEAF4FF-D952-DA37-8C23-A9DC043ACF16}"/>
+                <a16:creationId xmlns:a16="http://schemas.microsoft.com/office/drawing/2014/main" id="{D29774C7-68FC-2CE6-C99A-CDEE9DB71DCF}"/>
               </a:ext>
             </a:extLst>
           </p:cNvPr>
@@ -1949,7 +1949,7 @@
           <a:bodyPr/>
           <a:lstStyle/>
           <a:p>
-            <a:fld id="{E78CAFF0-1CDD-414E-8E9D-DC7DAA8F6AF1}" type="datetimeFigureOut">
+            <a:fld id="{14622EBE-9EC0-4B62-BEDD-136C74AA56B5}" type="datetimeFigureOut">
               <a:rPr lang="zh-CN" altLang="en-US" smtClean="0"/>
               <a:t>2024/3/10</a:t>
             </a:fld>
@@ -1962,7 +1962,7 @@
           <p:cNvPr id="4" name="页脚占位符 3">
             <a:extLst>
               <a:ext uri="{FF2B5EF4-FFF2-40B4-BE49-F238E27FC236}">
-                <a16:creationId xmlns:a16="http://schemas.microsoft.com/office/drawing/2014/main" id="{1109732A-BAE6-7C17-3DEB-05FD731CBC1E}"/>
+                <a16:creationId xmlns:a16="http://schemas.microsoft.com/office/drawing/2014/main" id="{D00F9DA5-D62F-2685-2865-AA0ABBCBD144}"/>
               </a:ext>
             </a:extLst>
           </p:cNvPr>
@@ -1987,7 +1987,7 @@
           <p:cNvPr id="5" name="灯片编号占位符 4">
             <a:extLst>
               <a:ext uri="{FF2B5EF4-FFF2-40B4-BE49-F238E27FC236}">
-                <a16:creationId xmlns:a16="http://schemas.microsoft.com/office/drawing/2014/main" id="{CB27B47F-037F-3B9D-7E5F-64778A69C8BF}"/>
+                <a16:creationId xmlns:a16="http://schemas.microsoft.com/office/drawing/2014/main" id="{B0AD6429-E1A6-19C0-203A-2A3529DBCF7A}"/>
               </a:ext>
             </a:extLst>
           </p:cNvPr>
@@ -2003,7 +2003,7 @@
           <a:bodyPr/>
           <a:lstStyle/>
           <a:p>
-            <a:fld id="{68E25D71-AEFD-4FA9-888C-8A0090390D59}" type="slidenum">
+            <a:fld id="{4EABA9AE-42B6-4782-B708-8C9206BB0EB4}" type="slidenum">
               <a:rPr lang="zh-CN" altLang="en-US" smtClean="0"/>
               <a:t>‹#›</a:t>
             </a:fld>
@@ -2014,7 +2014,7 @@
     </p:spTree>
     <p:extLst>
       <p:ext uri="{BB962C8B-B14F-4D97-AF65-F5344CB8AC3E}">
-        <p14:creationId xmlns:p14="http://schemas.microsoft.com/office/powerpoint/2010/main" val="608471324"/>
+        <p14:creationId xmlns:p14="http://schemas.microsoft.com/office/powerpoint/2010/main" val="3334566651"/>
       </p:ext>
     </p:extLst>
   </p:cSld>
@@ -2046,7 +2046,7 @@
           <p:cNvPr id="2" name="日期占位符 1">
             <a:extLst>
               <a:ext uri="{FF2B5EF4-FFF2-40B4-BE49-F238E27FC236}">
-                <a16:creationId xmlns:a16="http://schemas.microsoft.com/office/drawing/2014/main" id="{102FF300-6002-0FE2-0657-B641FD958394}"/>
+                <a16:creationId xmlns:a16="http://schemas.microsoft.com/office/drawing/2014/main" id="{044A3B39-A4F2-68EB-A2F4-2766B75FAE50}"/>
               </a:ext>
             </a:extLst>
           </p:cNvPr>
@@ -2062,7 +2062,7 @@
           <a:bodyPr/>
           <a:lstStyle/>
           <a:p>
-            <a:fld id="{E78CAFF0-1CDD-414E-8E9D-DC7DAA8F6AF1}" type="datetimeFigureOut">
+            <a:fld id="{14622EBE-9EC0-4B62-BEDD-136C74AA56B5}" type="datetimeFigureOut">
               <a:rPr lang="zh-CN" altLang="en-US" smtClean="0"/>
               <a:t>2024/3/10</a:t>
             </a:fld>
@@ -2075,7 +2075,7 @@
           <p:cNvPr id="3" name="页脚占位符 2">
             <a:extLst>
               <a:ext uri="{FF2B5EF4-FFF2-40B4-BE49-F238E27FC236}">
-                <a16:creationId xmlns:a16="http://schemas.microsoft.com/office/drawing/2014/main" id="{2D241D53-23FD-11E2-14A9-9B1A89783F80}"/>
+                <a16:creationId xmlns:a16="http://schemas.microsoft.com/office/drawing/2014/main" id="{379A8C1E-CE3D-2156-CDBE-F54C80D0D14E}"/>
               </a:ext>
             </a:extLst>
           </p:cNvPr>
@@ -2100,7 +2100,7 @@
           <p:cNvPr id="4" name="灯片编号占位符 3">
             <a:extLst>
               <a:ext uri="{FF2B5EF4-FFF2-40B4-BE49-F238E27FC236}">
-                <a16:creationId xmlns:a16="http://schemas.microsoft.com/office/drawing/2014/main" id="{3AF10EB3-5C36-2661-82B4-716B64B1BD6E}"/>
+                <a16:creationId xmlns:a16="http://schemas.microsoft.com/office/drawing/2014/main" id="{1A8F7C62-034F-81BC-FFEC-55C695AB4337}"/>
               </a:ext>
             </a:extLst>
           </p:cNvPr>
@@ -2116,7 +2116,7 @@
           <a:bodyPr/>
           <a:lstStyle/>
           <a:p>
-            <a:fld id="{68E25D71-AEFD-4FA9-888C-8A0090390D59}" type="slidenum">
+            <a:fld id="{4EABA9AE-42B6-4782-B708-8C9206BB0EB4}" type="slidenum">
               <a:rPr lang="zh-CN" altLang="en-US" smtClean="0"/>
               <a:t>‹#›</a:t>
             </a:fld>
@@ -2127,7 +2127,7 @@
     </p:spTree>
     <p:extLst>
       <p:ext uri="{BB962C8B-B14F-4D97-AF65-F5344CB8AC3E}">
-        <p14:creationId xmlns:p14="http://schemas.microsoft.com/office/powerpoint/2010/main" val="1581656877"/>
+        <p14:creationId xmlns:p14="http://schemas.microsoft.com/office/powerpoint/2010/main" val="1653113565"/>
       </p:ext>
     </p:extLst>
   </p:cSld>
@@ -2159,7 +2159,7 @@
           <p:cNvPr id="2" name="标题 1">
             <a:extLst>
               <a:ext uri="{FF2B5EF4-FFF2-40B4-BE49-F238E27FC236}">
-                <a16:creationId xmlns:a16="http://schemas.microsoft.com/office/drawing/2014/main" id="{9E18A00F-E5B0-4FEE-E295-4AE85C673B05}"/>
+                <a16:creationId xmlns:a16="http://schemas.microsoft.com/office/drawing/2014/main" id="{FB9F2AA9-DD3E-748F-126A-04B28CEC0BEC}"/>
               </a:ext>
             </a:extLst>
           </p:cNvPr>
@@ -2196,7 +2196,7 @@
           <p:cNvPr id="3" name="内容占位符 2">
             <a:extLst>
               <a:ext uri="{FF2B5EF4-FFF2-40B4-BE49-F238E27FC236}">
-                <a16:creationId xmlns:a16="http://schemas.microsoft.com/office/drawing/2014/main" id="{661B50F0-3F42-7BA0-BAA0-EE236CFB21AD}"/>
+                <a16:creationId xmlns:a16="http://schemas.microsoft.com/office/drawing/2014/main" id="{86247813-B657-50BD-0619-25D0F74F60CA}"/>
               </a:ext>
             </a:extLst>
           </p:cNvPr>
@@ -2286,7 +2286,7 @@
           <p:cNvPr id="4" name="文本占位符 3">
             <a:extLst>
               <a:ext uri="{FF2B5EF4-FFF2-40B4-BE49-F238E27FC236}">
-                <a16:creationId xmlns:a16="http://schemas.microsoft.com/office/drawing/2014/main" id="{67C6FE43-E5E2-13D8-9F54-95F043FF104F}"/>
+                <a16:creationId xmlns:a16="http://schemas.microsoft.com/office/drawing/2014/main" id="{B6CDD5F8-1910-7D18-86A0-921ADB98EEC8}"/>
               </a:ext>
             </a:extLst>
           </p:cNvPr>
@@ -2357,7 +2357,7 @@
           <p:cNvPr id="5" name="日期占位符 4">
             <a:extLst>
               <a:ext uri="{FF2B5EF4-FFF2-40B4-BE49-F238E27FC236}">
-                <a16:creationId xmlns:a16="http://schemas.microsoft.com/office/drawing/2014/main" id="{795FB198-D056-2690-FEF3-187A4029709F}"/>
+                <a16:creationId xmlns:a16="http://schemas.microsoft.com/office/drawing/2014/main" id="{18CAFE50-F7AF-83ED-CF92-0D6960C7E7E0}"/>
               </a:ext>
             </a:extLst>
           </p:cNvPr>
@@ -2373,7 +2373,7 @@
           <a:bodyPr/>
           <a:lstStyle/>
           <a:p>
-            <a:fld id="{E78CAFF0-1CDD-414E-8E9D-DC7DAA8F6AF1}" type="datetimeFigureOut">
+            <a:fld id="{14622EBE-9EC0-4B62-BEDD-136C74AA56B5}" type="datetimeFigureOut">
               <a:rPr lang="zh-CN" altLang="en-US" smtClean="0"/>
               <a:t>2024/3/10</a:t>
             </a:fld>
@@ -2386,7 +2386,7 @@
           <p:cNvPr id="6" name="页脚占位符 5">
             <a:extLst>
               <a:ext uri="{FF2B5EF4-FFF2-40B4-BE49-F238E27FC236}">
-                <a16:creationId xmlns:a16="http://schemas.microsoft.com/office/drawing/2014/main" id="{B7F285A6-9606-22B3-8491-4084E3991990}"/>
+                <a16:creationId xmlns:a16="http://schemas.microsoft.com/office/drawing/2014/main" id="{04EBFA0A-8325-E2A5-551A-FEC28B7DF125}"/>
               </a:ext>
             </a:extLst>
           </p:cNvPr>
@@ -2411,7 +2411,7 @@
           <p:cNvPr id="7" name="灯片编号占位符 6">
             <a:extLst>
               <a:ext uri="{FF2B5EF4-FFF2-40B4-BE49-F238E27FC236}">
-                <a16:creationId xmlns:a16="http://schemas.microsoft.com/office/drawing/2014/main" id="{AECF70B5-543B-2AAE-09C6-8AF7F9EDD705}"/>
+                <a16:creationId xmlns:a16="http://schemas.microsoft.com/office/drawing/2014/main" id="{DCAB8A29-2454-7713-4F57-F837E6DF73C6}"/>
               </a:ext>
             </a:extLst>
           </p:cNvPr>
@@ -2427,7 +2427,7 @@
           <a:bodyPr/>
           <a:lstStyle/>
           <a:p>
-            <a:fld id="{68E25D71-AEFD-4FA9-888C-8A0090390D59}" type="slidenum">
+            <a:fld id="{4EABA9AE-42B6-4782-B708-8C9206BB0EB4}" type="slidenum">
               <a:rPr lang="zh-CN" altLang="en-US" smtClean="0"/>
               <a:t>‹#›</a:t>
             </a:fld>
@@ -2438,7 +2438,7 @@
     </p:spTree>
     <p:extLst>
       <p:ext uri="{BB962C8B-B14F-4D97-AF65-F5344CB8AC3E}">
-        <p14:creationId xmlns:p14="http://schemas.microsoft.com/office/powerpoint/2010/main" val="2273661949"/>
+        <p14:creationId xmlns:p14="http://schemas.microsoft.com/office/powerpoint/2010/main" val="1074445185"/>
       </p:ext>
     </p:extLst>
   </p:cSld>
@@ -2470,7 +2470,7 @@
           <p:cNvPr id="2" name="标题 1">
             <a:extLst>
               <a:ext uri="{FF2B5EF4-FFF2-40B4-BE49-F238E27FC236}">
-                <a16:creationId xmlns:a16="http://schemas.microsoft.com/office/drawing/2014/main" id="{B01B09C5-6EAF-34D0-7FB5-796206EC175E}"/>
+                <a16:creationId xmlns:a16="http://schemas.microsoft.com/office/drawing/2014/main" id="{98F51918-335C-5BC3-D340-C9A428296A6A}"/>
               </a:ext>
             </a:extLst>
           </p:cNvPr>
@@ -2507,7 +2507,7 @@
           <p:cNvPr id="3" name="图片占位符 2">
             <a:extLst>
               <a:ext uri="{FF2B5EF4-FFF2-40B4-BE49-F238E27FC236}">
-                <a16:creationId xmlns:a16="http://schemas.microsoft.com/office/drawing/2014/main" id="{A305DB12-DD2C-63E0-3D39-7BCE2A1D978D}"/>
+                <a16:creationId xmlns:a16="http://schemas.microsoft.com/office/drawing/2014/main" id="{E3C40ADD-8E89-6B58-058C-CC6890D3F3C6}"/>
               </a:ext>
             </a:extLst>
           </p:cNvPr>
@@ -2574,7 +2574,7 @@
           <p:cNvPr id="4" name="文本占位符 3">
             <a:extLst>
               <a:ext uri="{FF2B5EF4-FFF2-40B4-BE49-F238E27FC236}">
-                <a16:creationId xmlns:a16="http://schemas.microsoft.com/office/drawing/2014/main" id="{58222F03-5E32-48C9-2848-E4E9EEA123B6}"/>
+                <a16:creationId xmlns:a16="http://schemas.microsoft.com/office/drawing/2014/main" id="{1E04295B-BBAA-47F4-8F5C-E31EFDCFE2AD}"/>
               </a:ext>
             </a:extLst>
           </p:cNvPr>
@@ -2645,7 +2645,7 @@
           <p:cNvPr id="5" name="日期占位符 4">
             <a:extLst>
               <a:ext uri="{FF2B5EF4-FFF2-40B4-BE49-F238E27FC236}">
-                <a16:creationId xmlns:a16="http://schemas.microsoft.com/office/drawing/2014/main" id="{2FBD2E07-D04D-8719-9530-2C442571A23F}"/>
+                <a16:creationId xmlns:a16="http://schemas.microsoft.com/office/drawing/2014/main" id="{07D629BA-8F61-55F7-2966-ACF4629B7865}"/>
               </a:ext>
             </a:extLst>
           </p:cNvPr>
@@ -2661,7 +2661,7 @@
           <a:bodyPr/>
           <a:lstStyle/>
           <a:p>
-            <a:fld id="{E78CAFF0-1CDD-414E-8E9D-DC7DAA8F6AF1}" type="datetimeFigureOut">
+            <a:fld id="{14622EBE-9EC0-4B62-BEDD-136C74AA56B5}" type="datetimeFigureOut">
               <a:rPr lang="zh-CN" altLang="en-US" smtClean="0"/>
               <a:t>2024/3/10</a:t>
             </a:fld>
@@ -2674,7 +2674,7 @@
           <p:cNvPr id="6" name="页脚占位符 5">
             <a:extLst>
               <a:ext uri="{FF2B5EF4-FFF2-40B4-BE49-F238E27FC236}">
-                <a16:creationId xmlns:a16="http://schemas.microsoft.com/office/drawing/2014/main" id="{AEEB8850-5CD0-4125-E8D6-AB3B9B64F099}"/>
+                <a16:creationId xmlns:a16="http://schemas.microsoft.com/office/drawing/2014/main" id="{239C793A-CBAE-18A9-549C-E6F989F69517}"/>
               </a:ext>
             </a:extLst>
           </p:cNvPr>
@@ -2699,7 +2699,7 @@
           <p:cNvPr id="7" name="灯片编号占位符 6">
             <a:extLst>
               <a:ext uri="{FF2B5EF4-FFF2-40B4-BE49-F238E27FC236}">
-                <a16:creationId xmlns:a16="http://schemas.microsoft.com/office/drawing/2014/main" id="{05353DBB-FDF7-4646-7D7C-3AA221745D75}"/>
+                <a16:creationId xmlns:a16="http://schemas.microsoft.com/office/drawing/2014/main" id="{A703567C-0257-FFBE-A949-CF1E52E1BB78}"/>
               </a:ext>
             </a:extLst>
           </p:cNvPr>
@@ -2715,7 +2715,7 @@
           <a:bodyPr/>
           <a:lstStyle/>
           <a:p>
-            <a:fld id="{68E25D71-AEFD-4FA9-888C-8A0090390D59}" type="slidenum">
+            <a:fld id="{4EABA9AE-42B6-4782-B708-8C9206BB0EB4}" type="slidenum">
               <a:rPr lang="zh-CN" altLang="en-US" smtClean="0"/>
               <a:t>‹#›</a:t>
             </a:fld>
@@ -2726,7 +2726,7 @@
     </p:spTree>
     <p:extLst>
       <p:ext uri="{BB962C8B-B14F-4D97-AF65-F5344CB8AC3E}">
-        <p14:creationId xmlns:p14="http://schemas.microsoft.com/office/powerpoint/2010/main" val="814354393"/>
+        <p14:creationId xmlns:p14="http://schemas.microsoft.com/office/powerpoint/2010/main" val="3832454744"/>
       </p:ext>
     </p:extLst>
   </p:cSld>
@@ -2763,7 +2763,7 @@
           <p:cNvPr id="2" name="标题占位符 1">
             <a:extLst>
               <a:ext uri="{FF2B5EF4-FFF2-40B4-BE49-F238E27FC236}">
-                <a16:creationId xmlns:a16="http://schemas.microsoft.com/office/drawing/2014/main" id="{54AEAAE6-38A1-DB2E-360F-775BF8CCB089}"/>
+                <a16:creationId xmlns:a16="http://schemas.microsoft.com/office/drawing/2014/main" id="{8A704570-63F3-7D62-A464-47204DF4D6E7}"/>
               </a:ext>
             </a:extLst>
           </p:cNvPr>
@@ -2801,7 +2801,7 @@
           <p:cNvPr id="3" name="文本占位符 2">
             <a:extLst>
               <a:ext uri="{FF2B5EF4-FFF2-40B4-BE49-F238E27FC236}">
-                <a16:creationId xmlns:a16="http://schemas.microsoft.com/office/drawing/2014/main" id="{A2964117-8AD1-5789-CCBB-BDE9F9526767}"/>
+                <a16:creationId xmlns:a16="http://schemas.microsoft.com/office/drawing/2014/main" id="{A0BE416C-042C-42B3-06C5-1ABF478849FD}"/>
               </a:ext>
             </a:extLst>
           </p:cNvPr>
@@ -2868,7 +2868,7 @@
           <p:cNvPr id="4" name="日期占位符 3">
             <a:extLst>
               <a:ext uri="{FF2B5EF4-FFF2-40B4-BE49-F238E27FC236}">
-                <a16:creationId xmlns:a16="http://schemas.microsoft.com/office/drawing/2014/main" id="{9E7478B7-F02A-61F2-E926-FFFF92A12A7B}"/>
+                <a16:creationId xmlns:a16="http://schemas.microsoft.com/office/drawing/2014/main" id="{E7504615-4EBC-E371-D5B7-1F89379D9EE0}"/>
               </a:ext>
             </a:extLst>
           </p:cNvPr>
@@ -2902,7 +2902,7 @@
             </a:lvl1pPr>
           </a:lstStyle>
           <a:p>
-            <a:fld id="{E78CAFF0-1CDD-414E-8E9D-DC7DAA8F6AF1}" type="datetimeFigureOut">
+            <a:fld id="{14622EBE-9EC0-4B62-BEDD-136C74AA56B5}" type="datetimeFigureOut">
               <a:rPr lang="zh-CN" altLang="en-US" smtClean="0"/>
               <a:t>2024/3/10</a:t>
             </a:fld>
@@ -2915,7 +2915,7 @@
           <p:cNvPr id="5" name="页脚占位符 4">
             <a:extLst>
               <a:ext uri="{FF2B5EF4-FFF2-40B4-BE49-F238E27FC236}">
-                <a16:creationId xmlns:a16="http://schemas.microsoft.com/office/drawing/2014/main" id="{A164EE01-C1AA-294A-95D7-EDEC65E94572}"/>
+                <a16:creationId xmlns:a16="http://schemas.microsoft.com/office/drawing/2014/main" id="{AE1D63D8-3A02-A2C6-01DF-CEF63AA89FEC}"/>
               </a:ext>
             </a:extLst>
           </p:cNvPr>
@@ -2958,7 +2958,7 @@
           <p:cNvPr id="6" name="灯片编号占位符 5">
             <a:extLst>
               <a:ext uri="{FF2B5EF4-FFF2-40B4-BE49-F238E27FC236}">
-                <a16:creationId xmlns:a16="http://schemas.microsoft.com/office/drawing/2014/main" id="{B92B83B0-AD2C-9905-6B34-E09F522BE613}"/>
+                <a16:creationId xmlns:a16="http://schemas.microsoft.com/office/drawing/2014/main" id="{FB62EA4A-7028-31D7-A51D-A01CCF8E5EB3}"/>
               </a:ext>
             </a:extLst>
           </p:cNvPr>
@@ -2992,7 +2992,7 @@
             </a:lvl1pPr>
           </a:lstStyle>
           <a:p>
-            <a:fld id="{68E25D71-AEFD-4FA9-888C-8A0090390D59}" type="slidenum">
+            <a:fld id="{4EABA9AE-42B6-4782-B708-8C9206BB0EB4}" type="slidenum">
               <a:rPr lang="zh-CN" altLang="en-US" smtClean="0"/>
               <a:t>‹#›</a:t>
             </a:fld>
@@ -3003,7 +3003,7 @@
     </p:spTree>
     <p:extLst>
       <p:ext uri="{BB962C8B-B14F-4D97-AF65-F5344CB8AC3E}">
-        <p14:creationId xmlns:p14="http://schemas.microsoft.com/office/powerpoint/2010/main" val="3923055772"/>
+        <p14:creationId xmlns:p14="http://schemas.microsoft.com/office/powerpoint/2010/main" val="3541044086"/>
       </p:ext>
     </p:extLst>
   </p:cSld>
@@ -3323,7 +3323,7 @@
       </p:grpSpPr>
       <p:pic>
         <p:nvPicPr>
-          <p:cNvPr id="700418" name="Picture 2" descr="683"/>
+          <p:cNvPr id="701442" name="Picture 2" descr="684"/>
           <p:cNvPicPr>
             <a:picLocks noChangeAspect="1" noChangeArrowheads="1"/>
           </p:cNvPicPr>
